--- a/周记/Week-15 flash attention v2.pptx
+++ b/周记/Week-15 flash attention v2.pptx
@@ -218,7 +218,7 @@
           <a:p>
             <a:fld id="{1E5BCEC9-DDE4-4B30-87D6-0017517D5E27}" type="datetimeFigureOut">
               <a:rPr lang="zh-CN" altLang="en-US" smtClean="0"/>
-              <a:t>2024/2/1</a:t>
+              <a:t>2024/2/13</a:t>
             </a:fld>
             <a:endParaRPr lang="zh-CN" altLang="en-US"/>
           </a:p>
@@ -535,7 +535,7 @@
               </a14:hiddenFill>
             </a:ext>
             <a:ext uri="{FAA26D3D-D897-4be2-8F04-BA451C77F1D7}">
-              <ma14:placeholderFlag xmlns="" xmlns:ma14="http://schemas.microsoft.com/office/mac/drawingml/2011/main" val="1"/>
+              <ma14:placeholderFlag xmlns:ma14="http://schemas.microsoft.com/office/mac/drawingml/2011/main" xmlns="" val="1"/>
             </a:ext>
           </a:extLst>
         </p:spPr>
@@ -986,7 +986,7 @@
                 <a:tabLst/>
                 <a:defRPr/>
               </a:pPr>
-              <a:t>2024/2/1</a:t>
+              <a:t>2024/2/13</a:t>
             </a:fld>
             <a:endParaRPr kumimoji="0" lang="zh-CN" altLang="en-US" sz="1200" b="1" i="0" u="none" strike="noStrike" kern="1200" cap="none" spc="0" normalizeH="0" baseline="0" noProof="0">
               <a:ln>
@@ -1302,7 +1302,7 @@
                 <a:tabLst/>
                 <a:defRPr/>
               </a:pPr>
-              <a:t>2024/2/1</a:t>
+              <a:t>2024/2/13</a:t>
             </a:fld>
             <a:endParaRPr kumimoji="0" lang="zh-CN" altLang="en-US" sz="1200" b="1" i="0" u="none" strike="noStrike" kern="1200" cap="none" spc="0" normalizeH="0" baseline="0" noProof="0">
               <a:ln>
@@ -1815,7 +1815,7 @@
                 <a:tabLst/>
                 <a:defRPr/>
               </a:pPr>
-              <a:t>2024/2/1</a:t>
+              <a:t>2024/2/13</a:t>
             </a:fld>
             <a:endParaRPr kumimoji="0" lang="zh-CN" altLang="en-US" sz="1200" b="1" i="0" u="none" strike="noStrike" kern="1200" cap="none" spc="0" normalizeH="0" baseline="0" noProof="0">
               <a:ln>
@@ -2329,7 +2329,7 @@
                 <a:tabLst/>
                 <a:defRPr/>
               </a:pPr>
-              <a:t>2024/2/1</a:t>
+              <a:t>2024/2/13</a:t>
             </a:fld>
             <a:endParaRPr kumimoji="0" lang="zh-CN" altLang="en-US" sz="1200" b="1" i="0" u="none" strike="noStrike" kern="1200" cap="none" spc="0" normalizeH="0" baseline="0" noProof="0">
               <a:ln>
@@ -2629,7 +2629,7 @@
                 <a:tabLst/>
                 <a:defRPr/>
               </a:pPr>
-              <a:t>2024/2/1</a:t>
+              <a:t>2024/2/13</a:t>
             </a:fld>
             <a:endParaRPr kumimoji="0" lang="zh-CN" altLang="en-US" sz="1200" b="1" i="0" u="none" strike="noStrike" kern="1200" cap="none" spc="0" normalizeH="0" baseline="0" noProof="0">
               <a:ln>
@@ -2916,7 +2916,7 @@
           <a:p>
             <a:fld id="{7FA7C40F-0D87-4C47-A7B0-B93EF7B2BEDD}" type="datetimeFigureOut">
               <a:rPr lang="zh-CN" altLang="en-US" smtClean="0"/>
-              <a:t>2024/2/1</a:t>
+              <a:t>2024/2/13</a:t>
             </a:fld>
             <a:endParaRPr lang="zh-CN" altLang="en-US"/>
           </a:p>
@@ -3145,7 +3145,7 @@
           <a:p>
             <a:fld id="{7FA7C40F-0D87-4C47-A7B0-B93EF7B2BEDD}" type="datetimeFigureOut">
               <a:rPr lang="zh-CN" altLang="en-US" smtClean="0"/>
-              <a:t>2024/2/1</a:t>
+              <a:t>2024/2/13</a:t>
             </a:fld>
             <a:endParaRPr lang="zh-CN" altLang="en-US"/>
           </a:p>
@@ -3407,7 +3407,7 @@
                 <a:tabLst/>
                 <a:defRPr/>
               </a:pPr>
-              <a:t>2024/2/1</a:t>
+              <a:t>2024/2/13</a:t>
             </a:fld>
             <a:endParaRPr kumimoji="0" lang="zh-CN" altLang="en-US" sz="1200" b="1" i="0" u="none" strike="noStrike" kern="1200" cap="none" spc="0" normalizeH="0" baseline="0" noProof="0">
               <a:ln>
@@ -4180,7 +4180,7 @@
           <a:p>
             <a:r>
               <a:rPr lang="en-US" altLang="zh-CN" sz="2400" b="1" dirty="0"/>
-              <a:t>Week 14</a:t>
+              <a:t>Week 15</a:t>
             </a:r>
             <a:endParaRPr lang="zh-CN" altLang="en-US" sz="2400" b="1" dirty="0"/>
           </a:p>
@@ -5545,8 +5545,8 @@
           </a:fontRef>
         </p:style>
       </p:cxnSp>
-      <mc:AlternateContent xmlns:mc="http://schemas.openxmlformats.org/markup-compatibility/2006">
-        <mc:Choice xmlns:a14="http://schemas.microsoft.com/office/drawing/2010/main" Requires="a14">
+      <mc:AlternateContent xmlns:mc="http://schemas.openxmlformats.org/markup-compatibility/2006" xmlns:a14="http://schemas.microsoft.com/office/drawing/2010/main">
+        <mc:Choice Requires="a14">
           <p:sp>
             <p:nvSpPr>
               <p:cNvPr id="11" name="文本框 10">
@@ -5622,7 +5622,7 @@
             </p:txBody>
           </p:sp>
         </mc:Choice>
-        <mc:Fallback>
+        <mc:Fallback xmlns="">
           <p:sp>
             <p:nvSpPr>
               <p:cNvPr id="11" name="文本框 10">
@@ -5827,8 +5827,8 @@
           </a:fontRef>
         </p:style>
       </p:cxnSp>
-      <mc:AlternateContent xmlns:mc="http://schemas.openxmlformats.org/markup-compatibility/2006">
-        <mc:Choice xmlns:a14="http://schemas.microsoft.com/office/drawing/2010/main" Requires="a14">
+      <mc:AlternateContent xmlns:mc="http://schemas.openxmlformats.org/markup-compatibility/2006" xmlns:a14="http://schemas.microsoft.com/office/drawing/2010/main">
+        <mc:Choice Requires="a14">
           <p:sp>
             <p:nvSpPr>
               <p:cNvPr id="18" name="文本框 17">
@@ -5889,7 +5889,7 @@
             </p:txBody>
           </p:sp>
         </mc:Choice>
-        <mc:Fallback>
+        <mc:Fallback xmlns="">
           <p:sp>
             <p:nvSpPr>
               <p:cNvPr id="18" name="文本框 17">
@@ -6186,8 +6186,8 @@
           </a:prstGeom>
         </p:spPr>
       </p:pic>
-      <mc:AlternateContent xmlns:mc="http://schemas.openxmlformats.org/markup-compatibility/2006">
-        <mc:Choice xmlns:a14="http://schemas.microsoft.com/office/drawing/2010/main" Requires="a14">
+      <mc:AlternateContent xmlns:mc="http://schemas.openxmlformats.org/markup-compatibility/2006" xmlns:a14="http://schemas.microsoft.com/office/drawing/2010/main">
+        <mc:Choice Requires="a14">
           <p:sp>
             <p:nvSpPr>
               <p:cNvPr id="4" name="文本框 3">
@@ -6294,7 +6294,7 @@
             </p:txBody>
           </p:sp>
         </mc:Choice>
-        <mc:Fallback>
+        <mc:Fallback xmlns="">
           <p:sp>
             <p:nvSpPr>
               <p:cNvPr id="4" name="文本框 3">
@@ -6443,441 +6443,8 @@
           </a:p>
         </p:txBody>
       </p:sp>
-      <mc:AlternateContent xmlns:mc="http://schemas.openxmlformats.org/markup-compatibility/2006">
-        <mc:Choice xmlns:a14="http://schemas.microsoft.com/office/drawing/2010/main" Requires="a14">
-          <p:sp>
-            <p:nvSpPr>
-              <p:cNvPr id="4" name="文本框 3">
-                <a:extLst>
-                  <a:ext uri="{FF2B5EF4-FFF2-40B4-BE49-F238E27FC236}">
-                    <a16:creationId xmlns:a16="http://schemas.microsoft.com/office/drawing/2014/main" id="{AF6C2BEC-3D29-6480-FCC9-4A6E6925CD98}"/>
-                  </a:ext>
-                </a:extLst>
-              </p:cNvPr>
-              <p:cNvSpPr txBox="1"/>
-              <p:nvPr/>
-            </p:nvSpPr>
-            <p:spPr>
-              <a:xfrm>
-                <a:off x="826604" y="1300294"/>
-                <a:ext cx="10538791" cy="2300758"/>
-              </a:xfrm>
-              <a:prstGeom prst="rect">
-                <a:avLst/>
-              </a:prstGeom>
-              <a:noFill/>
-            </p:spPr>
-            <p:txBody>
-              <a:bodyPr wrap="square" rtlCol="0">
-                <a:spAutoFit/>
-              </a:bodyPr>
-              <a:lstStyle/>
-              <a:p>
-                <a:pPr algn="l">
-                  <a:lnSpc>
-                    <a:spcPts val="2880"/>
-                  </a:lnSpc>
-                </a:pPr>
-                <a:r>
-                  <a:rPr lang="en-US" altLang="zh-CN" sz="2400" b="1" dirty="0"/>
-                  <a:t>Why is it better to put the logic of splitting </a:t>
-                </a:r>
-                <a14:m>
-                  <m:oMath xmlns:m="http://schemas.openxmlformats.org/officeDocument/2006/math">
-                    <m:sSub>
-                      <m:sSubPr>
-                        <m:ctrlPr>
-                          <a:rPr lang="en-US" altLang="zh-CN" sz="2400" b="1" i="1" smtClean="0">
-                            <a:latin typeface="Cambria Math" panose="02040503050406030204" pitchFamily="18" charset="0"/>
-                          </a:rPr>
-                        </m:ctrlPr>
-                      </m:sSubPr>
-                      <m:e>
-                        <m:r>
-                          <a:rPr lang="en-US" altLang="zh-CN" sz="2400" b="1" i="1" smtClean="0">
-                            <a:latin typeface="Cambria Math" panose="02040503050406030204" pitchFamily="18" charset="0"/>
-                          </a:rPr>
-                          <m:t>𝑸</m:t>
-                        </m:r>
-                      </m:e>
-                      <m:sub>
-                        <m:r>
-                          <a:rPr lang="en-US" altLang="zh-CN" sz="2400" b="1" i="1" smtClean="0">
-                            <a:latin typeface="Cambria Math" panose="02040503050406030204" pitchFamily="18" charset="0"/>
-                          </a:rPr>
-                          <m:t>𝒊</m:t>
-                        </m:r>
-                      </m:sub>
-                    </m:sSub>
-                  </m:oMath>
-                </a14:m>
-                <a:r>
-                  <a:rPr lang="en-US" altLang="zh-CN" sz="2400" b="1" dirty="0"/>
-                  <a:t> in the outer loop? </a:t>
-                </a:r>
-              </a:p>
-              <a:p>
-                <a:pPr marL="800100" lvl="1" indent="-342900">
-                  <a:lnSpc>
-                    <a:spcPts val="2880"/>
-                  </a:lnSpc>
-                  <a:buFont typeface="Wingdings" panose="05000000000000000000" pitchFamily="2" charset="2"/>
-                  <a:buChar char="Ø"/>
-                </a:pPr>
-                <a:r>
-                  <a:rPr lang="en-US" altLang="zh-CN" sz="2400" b="1" dirty="0"/>
-                  <a:t>Output one </a:t>
-                </a:r>
-                <a14:m>
-                  <m:oMath xmlns:m="http://schemas.openxmlformats.org/officeDocument/2006/math">
-                    <m:sSub>
-                      <m:sSubPr>
-                        <m:ctrlPr>
-                          <a:rPr lang="en-US" altLang="zh-CN" sz="2400" b="1" i="1" smtClean="0">
-                            <a:latin typeface="Cambria Math" panose="02040503050406030204" pitchFamily="18" charset="0"/>
-                          </a:rPr>
-                        </m:ctrlPr>
-                      </m:sSubPr>
-                      <m:e>
-                        <m:r>
-                          <a:rPr lang="en-US" altLang="zh-CN" sz="2400" b="1" i="1" smtClean="0">
-                            <a:latin typeface="Cambria Math" panose="02040503050406030204" pitchFamily="18" charset="0"/>
-                          </a:rPr>
-                          <m:t>𝑶</m:t>
-                        </m:r>
-                      </m:e>
-                      <m:sub>
-                        <m:r>
-                          <a:rPr lang="en-US" altLang="zh-CN" sz="2400" b="1" i="1" smtClean="0">
-                            <a:latin typeface="Cambria Math" panose="02040503050406030204" pitchFamily="18" charset="0"/>
-                          </a:rPr>
-                          <m:t>𝒊</m:t>
-                        </m:r>
-                      </m:sub>
-                    </m:sSub>
-                    <m:r>
-                      <a:rPr lang="en-US" altLang="zh-CN" sz="2400" b="1" i="0" smtClean="0">
-                        <a:latin typeface="Cambria Math" panose="02040503050406030204" pitchFamily="18" charset="0"/>
-                      </a:rPr>
-                      <m:t> </m:t>
-                    </m:r>
-                  </m:oMath>
-                </a14:m>
-                <a:r>
-                  <a:rPr lang="en-US" altLang="zh-CN" b="1" dirty="0"/>
-                  <a:t> </a:t>
-                </a:r>
-                <a:r>
-                  <a:rPr lang="en-US" altLang="zh-CN" sz="2400" b="1" dirty="0"/>
-                  <a:t>at a time, so that only one rescaling is needed after the inner loop ends, reducing non-</a:t>
-                </a:r>
-                <a:r>
-                  <a:rPr lang="en-US" altLang="zh-CN" sz="2400" b="1" dirty="0" err="1"/>
-                  <a:t>matmul</a:t>
-                </a:r>
-                <a:r>
-                  <a:rPr lang="en-US" altLang="zh-CN" sz="2400" b="1" dirty="0"/>
-                  <a:t> calculations.</a:t>
-                </a:r>
-              </a:p>
-              <a:p>
-                <a:pPr marL="800100" lvl="1" indent="-342900">
-                  <a:lnSpc>
-                    <a:spcPts val="2880"/>
-                  </a:lnSpc>
-                  <a:buFont typeface="Wingdings" panose="05000000000000000000" pitchFamily="2" charset="2"/>
-                  <a:buChar char="Ø"/>
-                </a:pPr>
-                <a:r>
-                  <a:rPr lang="en-US" altLang="zh-CN" sz="2400" b="1" dirty="0"/>
-                  <a:t>The outer loop can be </a:t>
-                </a:r>
-                <a:r>
-                  <a:rPr lang="en-US" altLang="zh-CN" sz="2400" b="1" dirty="0" err="1"/>
-                  <a:t>parallised</a:t>
-                </a:r>
-                <a:r>
-                  <a:rPr lang="en-US" altLang="zh-CN" sz="2400" b="1" dirty="0"/>
-                  <a:t> by sharing K,V between warps while splitting </a:t>
-                </a:r>
-                <a14:m>
-                  <m:oMath xmlns:m="http://schemas.openxmlformats.org/officeDocument/2006/math">
-                    <m:r>
-                      <a:rPr lang="en-US" altLang="zh-CN" sz="2400" b="1"/>
-                      <m:t>𝑸</m:t>
-                    </m:r>
-                  </m:oMath>
-                </a14:m>
-                <a:r>
-                  <a:rPr lang="en-US" altLang="zh-CN" sz="2400" b="1" dirty="0"/>
-                  <a:t> to different warps, reducing communication between warps.</a:t>
-                </a:r>
-              </a:p>
-            </p:txBody>
-          </p:sp>
-        </mc:Choice>
-        <mc:Fallback>
-          <p:sp>
-            <p:nvSpPr>
-              <p:cNvPr id="4" name="文本框 3">
-                <a:extLst>
-                  <a:ext uri="{FF2B5EF4-FFF2-40B4-BE49-F238E27FC236}">
-                    <a16:creationId xmlns:a16="http://schemas.microsoft.com/office/drawing/2014/main" id="{AF6C2BEC-3D29-6480-FCC9-4A6E6925CD98}"/>
-                  </a:ext>
-                </a:extLst>
-              </p:cNvPr>
-              <p:cNvSpPr txBox="1">
-                <a:spLocks noRot="1" noChangeAspect="1" noMove="1" noResize="1" noEditPoints="1" noAdjustHandles="1" noChangeArrowheads="1" noChangeShapeType="1" noTextEdit="1"/>
-              </p:cNvSpPr>
-              <p:nvPr/>
-            </p:nvSpPr>
-            <p:spPr>
-              <a:xfrm>
-                <a:off x="826604" y="1300294"/>
-                <a:ext cx="10538791" cy="2300758"/>
-              </a:xfrm>
-              <a:prstGeom prst="rect">
-                <a:avLst/>
-              </a:prstGeom>
-              <a:blipFill>
-                <a:blip r:embed="rId2"/>
-                <a:stretch>
-                  <a:fillRect l="-926" t="-2910" r="-1620" b="-5026"/>
-                </a:stretch>
-              </a:blipFill>
-            </p:spPr>
-            <p:txBody>
-              <a:bodyPr/>
-              <a:lstStyle/>
-              <a:p>
-                <a:r>
-                  <a:rPr lang="zh-CN" altLang="en-US">
-                    <a:noFill/>
-                  </a:rPr>
-                  <a:t> </a:t>
-                </a:r>
-              </a:p>
-            </p:txBody>
-          </p:sp>
-        </mc:Fallback>
-      </mc:AlternateContent>
-      <p:pic>
-        <p:nvPicPr>
-          <p:cNvPr id="1030" name="Picture 6">
-            <a:extLst>
-              <a:ext uri="{FF2B5EF4-FFF2-40B4-BE49-F238E27FC236}">
-                <a16:creationId xmlns:a16="http://schemas.microsoft.com/office/drawing/2014/main" id="{CED96094-B086-BD4F-AFF2-B5FBE649C84D}"/>
-              </a:ext>
-            </a:extLst>
-          </p:cNvPr>
-          <p:cNvPicPr>
-            <a:picLocks noChangeAspect="1" noChangeArrowheads="1"/>
-          </p:cNvPicPr>
-          <p:nvPr/>
-        </p:nvPicPr>
-        <p:blipFill>
-          <a:blip r:embed="rId3">
-            <a:extLst>
-              <a:ext uri="{28A0092B-C50C-407E-A947-70E740481C1C}">
-                <a14:useLocalDpi xmlns:a14="http://schemas.microsoft.com/office/drawing/2010/main" val="0"/>
-              </a:ext>
-            </a:extLst>
-          </a:blip>
-          <a:srcRect/>
-          <a:stretch>
-            <a:fillRect/>
-          </a:stretch>
-        </p:blipFill>
-        <p:spPr bwMode="auto">
-          <a:xfrm>
-            <a:off x="980569" y="3601052"/>
-            <a:ext cx="3681642" cy="2888234"/>
-          </a:xfrm>
-          <a:prstGeom prst="rect">
-            <a:avLst/>
-          </a:prstGeom>
-          <a:noFill/>
-          <a:extLst>
-            <a:ext uri="{909E8E84-426E-40DD-AFC4-6F175D3DCCD1}">
-              <a14:hiddenFill xmlns:a14="http://schemas.microsoft.com/office/drawing/2010/main">
-                <a:solidFill>
-                  <a:srgbClr val="FFFFFF"/>
-                </a:solidFill>
-              </a14:hiddenFill>
-            </a:ext>
-          </a:extLst>
-        </p:spPr>
-      </p:pic>
-      <p:sp>
-        <p:nvSpPr>
-          <p:cNvPr id="8" name="文本框 7">
-            <a:extLst>
-              <a:ext uri="{FF2B5EF4-FFF2-40B4-BE49-F238E27FC236}">
-                <a16:creationId xmlns:a16="http://schemas.microsoft.com/office/drawing/2014/main" id="{31989AD2-ADBB-0732-5952-C6411C165083}"/>
-              </a:ext>
-            </a:extLst>
-          </p:cNvPr>
-          <p:cNvSpPr txBox="1"/>
-          <p:nvPr/>
-        </p:nvSpPr>
-        <p:spPr>
-          <a:xfrm>
-            <a:off x="4816176" y="3601052"/>
-            <a:ext cx="7223424" cy="2672655"/>
-          </a:xfrm>
-          <a:prstGeom prst="rect">
-            <a:avLst/>
-          </a:prstGeom>
-          <a:noFill/>
-        </p:spPr>
-        <p:txBody>
-          <a:bodyPr wrap="square" rtlCol="0">
-            <a:spAutoFit/>
-          </a:bodyPr>
-          <a:lstStyle/>
-          <a:p>
-            <a:pPr algn="l">
-              <a:lnSpc>
-                <a:spcPts val="2880"/>
-              </a:lnSpc>
-            </a:pPr>
-            <a:r>
-              <a:rPr lang="en-US" altLang="zh-CN" sz="2400" b="1" dirty="0"/>
-              <a:t>Hierarchy of NVIDIA GPU</a:t>
-            </a:r>
-          </a:p>
-          <a:p>
-            <a:pPr marL="800100" lvl="1" indent="-342900">
-              <a:lnSpc>
-                <a:spcPts val="2880"/>
-              </a:lnSpc>
-              <a:buFont typeface="Wingdings" panose="05000000000000000000" pitchFamily="2" charset="2"/>
-              <a:buChar char="Ø"/>
-            </a:pPr>
-            <a:r>
-              <a:rPr lang="en-US" altLang="zh-CN" sz="2400" b="1" dirty="0"/>
-              <a:t>GPUs have a bunch of </a:t>
-            </a:r>
-            <a:r>
-              <a:rPr lang="en-US" altLang="zh-CN" sz="2400" b="1" dirty="0" err="1"/>
-              <a:t>theads</a:t>
-            </a:r>
-            <a:r>
-              <a:rPr lang="en-US" altLang="zh-CN" sz="2400" b="1" dirty="0"/>
-              <a:t> to launch kernels</a:t>
-            </a:r>
-          </a:p>
-          <a:p>
-            <a:pPr marL="800100" lvl="1" indent="-342900">
-              <a:lnSpc>
-                <a:spcPts val="2880"/>
-              </a:lnSpc>
-              <a:buFont typeface="Wingdings" panose="05000000000000000000" pitchFamily="2" charset="2"/>
-              <a:buChar char="Ø"/>
-            </a:pPr>
-            <a:r>
-              <a:rPr lang="en-US" altLang="zh-CN" sz="2400" b="1" dirty="0"/>
-              <a:t>Threads are organized into thread blocks</a:t>
-            </a:r>
-          </a:p>
-          <a:p>
-            <a:pPr marL="800100" lvl="1" indent="-342900">
-              <a:lnSpc>
-                <a:spcPts val="2880"/>
-              </a:lnSpc>
-              <a:buFont typeface="Wingdings" panose="05000000000000000000" pitchFamily="2" charset="2"/>
-              <a:buChar char="Ø"/>
-            </a:pPr>
-            <a:r>
-              <a:rPr lang="en-US" altLang="zh-CN" sz="2400" b="1" dirty="0"/>
-              <a:t>These blocks are scheduled to run on SMs</a:t>
-            </a:r>
-          </a:p>
-          <a:p>
-            <a:pPr marL="800100" lvl="1" indent="-342900">
-              <a:lnSpc>
-                <a:spcPts val="2880"/>
-              </a:lnSpc>
-              <a:buFont typeface="Wingdings" panose="05000000000000000000" pitchFamily="2" charset="2"/>
-              <a:buChar char="Ø"/>
-            </a:pPr>
-            <a:r>
-              <a:rPr lang="en-US" altLang="zh-CN" sz="2400" b="1" dirty="0"/>
-              <a:t>Inside each block, threads are grouped into warps</a:t>
-            </a:r>
-          </a:p>
-        </p:txBody>
-      </p:sp>
-    </p:spTree>
-    <p:extLst>
-      <p:ext uri="{BB962C8B-B14F-4D97-AF65-F5344CB8AC3E}">
-        <p14:creationId xmlns:p14="http://schemas.microsoft.com/office/powerpoint/2010/main" val="1414480137"/>
-      </p:ext>
-    </p:extLst>
-  </p:cSld>
-  <p:clrMapOvr>
-    <a:masterClrMapping/>
-  </p:clrMapOvr>
-</p:sld>
-</file>
-
-<file path=ppt/slides/slide7.xml><?xml version="1.0" encoding="utf-8"?>
-<p:sld xmlns:a="http://schemas.openxmlformats.org/drawingml/2006/main" xmlns:r="http://schemas.openxmlformats.org/officeDocument/2006/relationships" xmlns:p="http://schemas.openxmlformats.org/presentationml/2006/main">
-  <p:cSld>
-    <p:spTree>
-      <p:nvGrpSpPr>
-        <p:cNvPr id="1" name=""/>
-        <p:cNvGrpSpPr/>
-        <p:nvPr/>
-      </p:nvGrpSpPr>
-      <p:grpSpPr>
-        <a:xfrm>
-          <a:off x="0" y="0"/>
-          <a:ext cx="0" cy="0"/>
-          <a:chOff x="0" y="0"/>
-          <a:chExt cx="0" cy="0"/>
-        </a:xfrm>
-      </p:grpSpPr>
-      <p:sp>
-        <p:nvSpPr>
-          <p:cNvPr id="12" name="标题 2">
-            <a:extLst>
-              <a:ext uri="{FF2B5EF4-FFF2-40B4-BE49-F238E27FC236}">
-                <a16:creationId xmlns:a16="http://schemas.microsoft.com/office/drawing/2014/main" id="{4D671D00-9D90-37DD-F533-88437170F601}"/>
-              </a:ext>
-            </a:extLst>
-          </p:cNvPr>
-          <p:cNvSpPr>
-            <a:spLocks noGrp="1"/>
-          </p:cNvSpPr>
-          <p:nvPr>
-            <p:ph type="title"/>
-          </p:nvPr>
-        </p:nvSpPr>
-        <p:spPr>
-          <a:xfrm>
-            <a:off x="815009" y="0"/>
-            <a:ext cx="10538791" cy="1021543"/>
-          </a:xfrm>
-        </p:spPr>
-        <p:txBody>
-          <a:bodyPr/>
-          <a:lstStyle/>
-          <a:p>
-            <a:r>
-              <a:rPr lang="en-US" altLang="zh-CN" sz="3600" dirty="0"/>
-              <a:t>Method</a:t>
-            </a:r>
-            <a:r>
-              <a:rPr lang="en-US" altLang="zh-CN" dirty="0"/>
-              <a:t> </a:t>
-            </a:r>
-            <a:endParaRPr lang="zh-CN" altLang="en-US" dirty="0"/>
-          </a:p>
-        </p:txBody>
-      </p:sp>
-      <mc:AlternateContent xmlns:mc="http://schemas.openxmlformats.org/markup-compatibility/2006">
-        <mc:Choice xmlns:a14="http://schemas.microsoft.com/office/drawing/2010/main" Requires="a14">
+      <mc:AlternateContent xmlns:mc="http://schemas.openxmlformats.org/markup-compatibility/2006" xmlns:a14="http://schemas.microsoft.com/office/drawing/2010/main">
+        <mc:Choice Requires="a14">
           <p:sp>
             <p:nvSpPr>
               <p:cNvPr id="4" name="文本框 3">
@@ -7051,7 +6618,442 @@
             </p:txBody>
           </p:sp>
         </mc:Choice>
-        <mc:Fallback>
+        <mc:Fallback xmlns="">
+          <p:sp>
+            <p:nvSpPr>
+              <p:cNvPr id="4" name="文本框 3">
+                <a:extLst>
+                  <a:ext uri="{FF2B5EF4-FFF2-40B4-BE49-F238E27FC236}">
+                    <a16:creationId xmlns:a16="http://schemas.microsoft.com/office/drawing/2014/main" id="{AF6C2BEC-3D29-6480-FCC9-4A6E6925CD98}"/>
+                  </a:ext>
+                </a:extLst>
+              </p:cNvPr>
+              <p:cNvSpPr txBox="1">
+                <a:spLocks noRot="1" noChangeAspect="1" noMove="1" noResize="1" noEditPoints="1" noAdjustHandles="1" noChangeArrowheads="1" noChangeShapeType="1" noTextEdit="1"/>
+              </p:cNvSpPr>
+              <p:nvPr/>
+            </p:nvSpPr>
+            <p:spPr>
+              <a:xfrm>
+                <a:off x="826604" y="1300294"/>
+                <a:ext cx="10538791" cy="2300758"/>
+              </a:xfrm>
+              <a:prstGeom prst="rect">
+                <a:avLst/>
+              </a:prstGeom>
+              <a:blipFill>
+                <a:blip r:embed="rId2"/>
+                <a:stretch>
+                  <a:fillRect l="-926" t="-2910" r="-1620" b="-5026"/>
+                </a:stretch>
+              </a:blipFill>
+            </p:spPr>
+            <p:txBody>
+              <a:bodyPr/>
+              <a:lstStyle/>
+              <a:p>
+                <a:r>
+                  <a:rPr lang="zh-CN" altLang="en-US">
+                    <a:noFill/>
+                  </a:rPr>
+                  <a:t> </a:t>
+                </a:r>
+              </a:p>
+            </p:txBody>
+          </p:sp>
+        </mc:Fallback>
+      </mc:AlternateContent>
+      <p:pic>
+        <p:nvPicPr>
+          <p:cNvPr id="1030" name="Picture 6">
+            <a:extLst>
+              <a:ext uri="{FF2B5EF4-FFF2-40B4-BE49-F238E27FC236}">
+                <a16:creationId xmlns:a16="http://schemas.microsoft.com/office/drawing/2014/main" id="{CED96094-B086-BD4F-AFF2-B5FBE649C84D}"/>
+              </a:ext>
+            </a:extLst>
+          </p:cNvPr>
+          <p:cNvPicPr>
+            <a:picLocks noChangeAspect="1" noChangeArrowheads="1"/>
+          </p:cNvPicPr>
+          <p:nvPr/>
+        </p:nvPicPr>
+        <p:blipFill>
+          <a:blip r:embed="rId3">
+            <a:extLst>
+              <a:ext uri="{28A0092B-C50C-407E-A947-70E740481C1C}">
+                <a14:useLocalDpi xmlns:a14="http://schemas.microsoft.com/office/drawing/2010/main" val="0"/>
+              </a:ext>
+            </a:extLst>
+          </a:blip>
+          <a:srcRect/>
+          <a:stretch>
+            <a:fillRect/>
+          </a:stretch>
+        </p:blipFill>
+        <p:spPr bwMode="auto">
+          <a:xfrm>
+            <a:off x="980569" y="3601052"/>
+            <a:ext cx="3681642" cy="2888234"/>
+          </a:xfrm>
+          <a:prstGeom prst="rect">
+            <a:avLst/>
+          </a:prstGeom>
+          <a:noFill/>
+          <a:extLst>
+            <a:ext uri="{909E8E84-426E-40DD-AFC4-6F175D3DCCD1}">
+              <a14:hiddenFill xmlns:a14="http://schemas.microsoft.com/office/drawing/2010/main">
+                <a:solidFill>
+                  <a:srgbClr val="FFFFFF"/>
+                </a:solidFill>
+              </a14:hiddenFill>
+            </a:ext>
+          </a:extLst>
+        </p:spPr>
+      </p:pic>
+      <p:sp>
+        <p:nvSpPr>
+          <p:cNvPr id="8" name="文本框 7">
+            <a:extLst>
+              <a:ext uri="{FF2B5EF4-FFF2-40B4-BE49-F238E27FC236}">
+                <a16:creationId xmlns:a16="http://schemas.microsoft.com/office/drawing/2014/main" id="{31989AD2-ADBB-0732-5952-C6411C165083}"/>
+              </a:ext>
+            </a:extLst>
+          </p:cNvPr>
+          <p:cNvSpPr txBox="1"/>
+          <p:nvPr/>
+        </p:nvSpPr>
+        <p:spPr>
+          <a:xfrm>
+            <a:off x="4816176" y="3601052"/>
+            <a:ext cx="7223424" cy="2672655"/>
+          </a:xfrm>
+          <a:prstGeom prst="rect">
+            <a:avLst/>
+          </a:prstGeom>
+          <a:noFill/>
+        </p:spPr>
+        <p:txBody>
+          <a:bodyPr wrap="square" rtlCol="0">
+            <a:spAutoFit/>
+          </a:bodyPr>
+          <a:lstStyle/>
+          <a:p>
+            <a:pPr algn="l">
+              <a:lnSpc>
+                <a:spcPts val="2880"/>
+              </a:lnSpc>
+            </a:pPr>
+            <a:r>
+              <a:rPr lang="en-US" altLang="zh-CN" sz="2400" b="1" dirty="0"/>
+              <a:t>Hierarchy of NVIDIA GPU</a:t>
+            </a:r>
+          </a:p>
+          <a:p>
+            <a:pPr marL="800100" lvl="1" indent="-342900">
+              <a:lnSpc>
+                <a:spcPts val="2880"/>
+              </a:lnSpc>
+              <a:buFont typeface="Wingdings" panose="05000000000000000000" pitchFamily="2" charset="2"/>
+              <a:buChar char="Ø"/>
+            </a:pPr>
+            <a:r>
+              <a:rPr lang="en-US" altLang="zh-CN" sz="2400" b="1" dirty="0"/>
+              <a:t>GPUs have a bunch of </a:t>
+            </a:r>
+            <a:r>
+              <a:rPr lang="en-US" altLang="zh-CN" sz="2400" b="1" dirty="0" err="1"/>
+              <a:t>theads</a:t>
+            </a:r>
+            <a:r>
+              <a:rPr lang="en-US" altLang="zh-CN" sz="2400" b="1" dirty="0"/>
+              <a:t> to launch kernels</a:t>
+            </a:r>
+          </a:p>
+          <a:p>
+            <a:pPr marL="800100" lvl="1" indent="-342900">
+              <a:lnSpc>
+                <a:spcPts val="2880"/>
+              </a:lnSpc>
+              <a:buFont typeface="Wingdings" panose="05000000000000000000" pitchFamily="2" charset="2"/>
+              <a:buChar char="Ø"/>
+            </a:pPr>
+            <a:r>
+              <a:rPr lang="en-US" altLang="zh-CN" sz="2400" b="1" dirty="0"/>
+              <a:t>Threads are organized into thread blocks</a:t>
+            </a:r>
+          </a:p>
+          <a:p>
+            <a:pPr marL="800100" lvl="1" indent="-342900">
+              <a:lnSpc>
+                <a:spcPts val="2880"/>
+              </a:lnSpc>
+              <a:buFont typeface="Wingdings" panose="05000000000000000000" pitchFamily="2" charset="2"/>
+              <a:buChar char="Ø"/>
+            </a:pPr>
+            <a:r>
+              <a:rPr lang="en-US" altLang="zh-CN" sz="2400" b="1" dirty="0"/>
+              <a:t>These blocks are scheduled to run on SMs</a:t>
+            </a:r>
+          </a:p>
+          <a:p>
+            <a:pPr marL="800100" lvl="1" indent="-342900">
+              <a:lnSpc>
+                <a:spcPts val="2880"/>
+              </a:lnSpc>
+              <a:buFont typeface="Wingdings" panose="05000000000000000000" pitchFamily="2" charset="2"/>
+              <a:buChar char="Ø"/>
+            </a:pPr>
+            <a:r>
+              <a:rPr lang="en-US" altLang="zh-CN" sz="2400" b="1" dirty="0"/>
+              <a:t>Inside each block, threads are grouped into warps</a:t>
+            </a:r>
+          </a:p>
+        </p:txBody>
+      </p:sp>
+    </p:spTree>
+    <p:extLst>
+      <p:ext uri="{BB962C8B-B14F-4D97-AF65-F5344CB8AC3E}">
+        <p14:creationId xmlns:p14="http://schemas.microsoft.com/office/powerpoint/2010/main" val="1414480137"/>
+      </p:ext>
+    </p:extLst>
+  </p:cSld>
+  <p:clrMapOvr>
+    <a:masterClrMapping/>
+  </p:clrMapOvr>
+</p:sld>
+</file>
+
+<file path=ppt/slides/slide7.xml><?xml version="1.0" encoding="utf-8"?>
+<p:sld xmlns:a="http://schemas.openxmlformats.org/drawingml/2006/main" xmlns:r="http://schemas.openxmlformats.org/officeDocument/2006/relationships" xmlns:p="http://schemas.openxmlformats.org/presentationml/2006/main">
+  <p:cSld>
+    <p:spTree>
+      <p:nvGrpSpPr>
+        <p:cNvPr id="1" name=""/>
+        <p:cNvGrpSpPr/>
+        <p:nvPr/>
+      </p:nvGrpSpPr>
+      <p:grpSpPr>
+        <a:xfrm>
+          <a:off x="0" y="0"/>
+          <a:ext cx="0" cy="0"/>
+          <a:chOff x="0" y="0"/>
+          <a:chExt cx="0" cy="0"/>
+        </a:xfrm>
+      </p:grpSpPr>
+      <p:sp>
+        <p:nvSpPr>
+          <p:cNvPr id="12" name="标题 2">
+            <a:extLst>
+              <a:ext uri="{FF2B5EF4-FFF2-40B4-BE49-F238E27FC236}">
+                <a16:creationId xmlns:a16="http://schemas.microsoft.com/office/drawing/2014/main" id="{4D671D00-9D90-37DD-F533-88437170F601}"/>
+              </a:ext>
+            </a:extLst>
+          </p:cNvPr>
+          <p:cNvSpPr>
+            <a:spLocks noGrp="1"/>
+          </p:cNvSpPr>
+          <p:nvPr>
+            <p:ph type="title"/>
+          </p:nvPr>
+        </p:nvSpPr>
+        <p:spPr>
+          <a:xfrm>
+            <a:off x="815009" y="0"/>
+            <a:ext cx="10538791" cy="1021543"/>
+          </a:xfrm>
+        </p:spPr>
+        <p:txBody>
+          <a:bodyPr/>
+          <a:lstStyle/>
+          <a:p>
+            <a:r>
+              <a:rPr lang="en-US" altLang="zh-CN" sz="3600" dirty="0"/>
+              <a:t>Method</a:t>
+            </a:r>
+            <a:r>
+              <a:rPr lang="en-US" altLang="zh-CN" dirty="0"/>
+              <a:t> </a:t>
+            </a:r>
+            <a:endParaRPr lang="zh-CN" altLang="en-US" dirty="0"/>
+          </a:p>
+        </p:txBody>
+      </p:sp>
+      <mc:AlternateContent xmlns:mc="http://schemas.openxmlformats.org/markup-compatibility/2006" xmlns:a14="http://schemas.microsoft.com/office/drawing/2010/main">
+        <mc:Choice Requires="a14">
+          <p:sp>
+            <p:nvSpPr>
+              <p:cNvPr id="4" name="文本框 3">
+                <a:extLst>
+                  <a:ext uri="{FF2B5EF4-FFF2-40B4-BE49-F238E27FC236}">
+                    <a16:creationId xmlns:a16="http://schemas.microsoft.com/office/drawing/2014/main" id="{AF6C2BEC-3D29-6480-FCC9-4A6E6925CD98}"/>
+                  </a:ext>
+                </a:extLst>
+              </p:cNvPr>
+              <p:cNvSpPr txBox="1"/>
+              <p:nvPr/>
+            </p:nvSpPr>
+            <p:spPr>
+              <a:xfrm>
+                <a:off x="826604" y="1300294"/>
+                <a:ext cx="10538791" cy="2300758"/>
+              </a:xfrm>
+              <a:prstGeom prst="rect">
+                <a:avLst/>
+              </a:prstGeom>
+              <a:noFill/>
+            </p:spPr>
+            <p:txBody>
+              <a:bodyPr wrap="square" rtlCol="0">
+                <a:spAutoFit/>
+              </a:bodyPr>
+              <a:lstStyle/>
+              <a:p>
+                <a:pPr algn="l">
+                  <a:lnSpc>
+                    <a:spcPts val="2880"/>
+                  </a:lnSpc>
+                </a:pPr>
+                <a:r>
+                  <a:rPr lang="en-US" altLang="zh-CN" sz="2400" b="1" dirty="0"/>
+                  <a:t>Why is it better to put the logic of splitting </a:t>
+                </a:r>
+                <a14:m>
+                  <m:oMath xmlns:m="http://schemas.openxmlformats.org/officeDocument/2006/math">
+                    <m:sSub>
+                      <m:sSubPr>
+                        <m:ctrlPr>
+                          <a:rPr lang="en-US" altLang="zh-CN" sz="2400" b="1" i="1" smtClean="0">
+                            <a:latin typeface="Cambria Math" panose="02040503050406030204" pitchFamily="18" charset="0"/>
+                          </a:rPr>
+                        </m:ctrlPr>
+                      </m:sSubPr>
+                      <m:e>
+                        <m:r>
+                          <a:rPr lang="en-US" altLang="zh-CN" sz="2400" b="1" i="1" smtClean="0">
+                            <a:latin typeface="Cambria Math" panose="02040503050406030204" pitchFamily="18" charset="0"/>
+                          </a:rPr>
+                          <m:t>𝑸</m:t>
+                        </m:r>
+                      </m:e>
+                      <m:sub>
+                        <m:r>
+                          <a:rPr lang="en-US" altLang="zh-CN" sz="2400" b="1" i="1" smtClean="0">
+                            <a:latin typeface="Cambria Math" panose="02040503050406030204" pitchFamily="18" charset="0"/>
+                          </a:rPr>
+                          <m:t>𝒊</m:t>
+                        </m:r>
+                      </m:sub>
+                    </m:sSub>
+                  </m:oMath>
+                </a14:m>
+                <a:r>
+                  <a:rPr lang="en-US" altLang="zh-CN" sz="2400" b="1" dirty="0"/>
+                  <a:t> in the outer loop? </a:t>
+                </a:r>
+              </a:p>
+              <a:p>
+                <a:pPr marL="800100" lvl="1" indent="-342900">
+                  <a:lnSpc>
+                    <a:spcPts val="2880"/>
+                  </a:lnSpc>
+                  <a:buFont typeface="Wingdings" panose="05000000000000000000" pitchFamily="2" charset="2"/>
+                  <a:buChar char="Ø"/>
+                </a:pPr>
+                <a:r>
+                  <a:rPr lang="en-US" altLang="zh-CN" sz="2400" b="1" dirty="0"/>
+                  <a:t>Output one </a:t>
+                </a:r>
+                <a14:m>
+                  <m:oMath xmlns:m="http://schemas.openxmlformats.org/officeDocument/2006/math">
+                    <m:sSub>
+                      <m:sSubPr>
+                        <m:ctrlPr>
+                          <a:rPr lang="en-US" altLang="zh-CN" sz="2400" b="1" i="1" smtClean="0">
+                            <a:latin typeface="Cambria Math" panose="02040503050406030204" pitchFamily="18" charset="0"/>
+                          </a:rPr>
+                        </m:ctrlPr>
+                      </m:sSubPr>
+                      <m:e>
+                        <m:r>
+                          <a:rPr lang="en-US" altLang="zh-CN" sz="2400" b="1" i="1" smtClean="0">
+                            <a:latin typeface="Cambria Math" panose="02040503050406030204" pitchFamily="18" charset="0"/>
+                          </a:rPr>
+                          <m:t>𝑶</m:t>
+                        </m:r>
+                      </m:e>
+                      <m:sub>
+                        <m:r>
+                          <a:rPr lang="en-US" altLang="zh-CN" sz="2400" b="1" i="1" smtClean="0">
+                            <a:latin typeface="Cambria Math" panose="02040503050406030204" pitchFamily="18" charset="0"/>
+                          </a:rPr>
+                          <m:t>𝒊</m:t>
+                        </m:r>
+                      </m:sub>
+                    </m:sSub>
+                    <m:r>
+                      <a:rPr lang="en-US" altLang="zh-CN" sz="2400" b="1" i="0" smtClean="0">
+                        <a:latin typeface="Cambria Math" panose="02040503050406030204" pitchFamily="18" charset="0"/>
+                      </a:rPr>
+                      <m:t> </m:t>
+                    </m:r>
+                  </m:oMath>
+                </a14:m>
+                <a:r>
+                  <a:rPr lang="en-US" altLang="zh-CN" b="1" dirty="0"/>
+                  <a:t> </a:t>
+                </a:r>
+                <a:r>
+                  <a:rPr lang="en-US" altLang="zh-CN" sz="2400" b="1" dirty="0"/>
+                  <a:t>at a time, so that only one rescaling is needed after the inner loop ends, reducing non-</a:t>
+                </a:r>
+                <a:r>
+                  <a:rPr lang="en-US" altLang="zh-CN" sz="2400" b="1" dirty="0" err="1"/>
+                  <a:t>matmul</a:t>
+                </a:r>
+                <a:r>
+                  <a:rPr lang="en-US" altLang="zh-CN" sz="2400" b="1" dirty="0"/>
+                  <a:t> calculations.</a:t>
+                </a:r>
+              </a:p>
+              <a:p>
+                <a:pPr marL="800100" lvl="1" indent="-342900">
+                  <a:lnSpc>
+                    <a:spcPts val="2880"/>
+                  </a:lnSpc>
+                  <a:buFont typeface="Wingdings" panose="05000000000000000000" pitchFamily="2" charset="2"/>
+                  <a:buChar char="Ø"/>
+                </a:pPr>
+                <a:r>
+                  <a:rPr lang="en-US" altLang="zh-CN" sz="2400" b="1" dirty="0"/>
+                  <a:t>The outer loop can be </a:t>
+                </a:r>
+                <a:r>
+                  <a:rPr lang="en-US" altLang="zh-CN" sz="2400" b="1" dirty="0" err="1"/>
+                  <a:t>parallised</a:t>
+                </a:r>
+                <a:r>
+                  <a:rPr lang="en-US" altLang="zh-CN" sz="2400" b="1" dirty="0"/>
+                  <a:t> by sharing K,V between warps while splitting </a:t>
+                </a:r>
+                <a14:m>
+                  <m:oMath xmlns:m="http://schemas.openxmlformats.org/officeDocument/2006/math">
+                    <m:r>
+                      <a:rPr lang="en-US" altLang="zh-CN" sz="2400" b="1">
+                        <a:latin typeface="Cambria Math" panose="02040503050406030204" pitchFamily="18" charset="0"/>
+                      </a:rPr>
+                      <m:t>𝑸</m:t>
+                    </m:r>
+                  </m:oMath>
+                </a14:m>
+                <a:r>
+                  <a:rPr lang="en-US" altLang="zh-CN" sz="2400" b="1" dirty="0"/>
+                  <a:t> to different warps, reducing communication between warps.</a:t>
+                </a:r>
+              </a:p>
+            </p:txBody>
+          </p:sp>
+        </mc:Choice>
+        <mc:Fallback xmlns="">
           <p:sp>
             <p:nvSpPr>
               <p:cNvPr id="4" name="文本框 3">
